--- a/Project.pptx
+++ b/Project.pptx
@@ -17765,7 +17765,7 @@
         <p:spPr>
           <a:xfrm>
             <a:off x="5868243" y="3878736"/>
-            <a:ext cx="5782984" cy="1815882"/>
+            <a:ext cx="5782984" cy="2246769"/>
           </a:xfrm>
           <a:prstGeom prst="rect">
             <a:avLst/>
@@ -17784,7 +17784,17 @@
                   <a:schemeClr val="bg1"/>
                 </a:solidFill>
               </a:rPr>
-              <a:t>Project by,</a:t>
+              <a:t>Project by, </a:t>
+            </a:r>
+          </a:p>
+          <a:p>
+            <a:r>
+              <a:rPr lang="en-US" sz="2800" b="1" dirty="0">
+                <a:solidFill>
+                  <a:schemeClr val="bg1"/>
+                </a:solidFill>
+              </a:rPr>
+              <a:t>DATAJAM</a:t>
             </a:r>
           </a:p>
           <a:p>
@@ -26770,7 +26780,7 @@
         <p:spPr>
           <a:xfrm>
             <a:off x="5868243" y="3878736"/>
-            <a:ext cx="5782984" cy="1815882"/>
+            <a:ext cx="5782984" cy="2246769"/>
           </a:xfrm>
           <a:prstGeom prst="rect">
             <a:avLst/>
@@ -26790,6 +26800,16 @@
                 </a:solidFill>
               </a:rPr>
               <a:t>Project by,</a:t>
+            </a:r>
+          </a:p>
+          <a:p>
+            <a:r>
+              <a:rPr lang="en-US" sz="2800" b="1" dirty="0">
+                <a:solidFill>
+                  <a:schemeClr val="bg1"/>
+                </a:solidFill>
+              </a:rPr>
+              <a:t>DATAJAM</a:t>
             </a:r>
           </a:p>
           <a:p>
